--- a/lesson1/lesson1.pptx
+++ b/lesson1/lesson1.pptx
@@ -5,16 +5,17 @@
     <p:sldMasterId id="2147483648" r:id="rId1"/>
   </p:sldMasterIdLst>
   <p:notesMasterIdLst>
-    <p:notesMasterId r:id="rId9"/>
+    <p:notesMasterId r:id="rId10"/>
   </p:notesMasterIdLst>
   <p:sldIdLst>
     <p:sldId id="256" r:id="rId2"/>
     <p:sldId id="257" r:id="rId3"/>
-    <p:sldId id="258" r:id="rId4"/>
-    <p:sldId id="259" r:id="rId5"/>
-    <p:sldId id="260" r:id="rId6"/>
-    <p:sldId id="261" r:id="rId7"/>
-    <p:sldId id="262" r:id="rId8"/>
+    <p:sldId id="263" r:id="rId4"/>
+    <p:sldId id="258" r:id="rId5"/>
+    <p:sldId id="259" r:id="rId6"/>
+    <p:sldId id="260" r:id="rId7"/>
+    <p:sldId id="261" r:id="rId8"/>
+    <p:sldId id="262" r:id="rId9"/>
   </p:sldIdLst>
   <p:sldSz cx="9144000" cy="6858000" type="screen4x3"/>
   <p:notesSz cx="6858000" cy="9144000"/>
@@ -198,7 +199,8 @@
           <a:p>
             <a:fld id="{97502025-1357-48B0-AE8B-075923EE947E}" type="datetimeFigureOut">
               <a:rPr lang="zh-CN" altLang="en-US" smtClean="0"/>
-              <a:t>2015/4/3</a:t>
+              <a:pPr/>
+              <a:t>2015/4/7</a:t>
             </a:fld>
             <a:endParaRPr lang="zh-CN" altLang="en-US"/>
           </a:p>
@@ -359,6 +361,7 @@
           <a:p>
             <a:fld id="{267F0BB4-3C98-4A9A-8DE3-81DD0423514B}" type="slidenum">
               <a:rPr lang="zh-CN" altLang="en-US" smtClean="0"/>
+              <a:pPr/>
               <a:t>‹#›</a:t>
             </a:fld>
             <a:endParaRPr lang="zh-CN" altLang="en-US"/>
@@ -530,7 +533,8 @@
           <a:p>
             <a:fld id="{267F0BB4-3C98-4A9A-8DE3-81DD0423514B}" type="slidenum">
               <a:rPr lang="zh-CN" altLang="en-US" smtClean="0"/>
-              <a:t>6</a:t>
+              <a:pPr/>
+              <a:t>7</a:t>
             </a:fld>
             <a:endParaRPr lang="zh-CN" altLang="en-US"/>
           </a:p>
@@ -726,7 +730,7 @@
             <a:fld id="{530820CF-B880-4189-942D-D702A7CBA730}" type="datetimeFigureOut">
               <a:rPr lang="zh-CN" altLang="en-US" smtClean="0"/>
               <a:pPr/>
-              <a:t>2015/4/3</a:t>
+              <a:t>2015/4/7</a:t>
             </a:fld>
             <a:endParaRPr lang="zh-CN" altLang="en-US"/>
           </a:p>
@@ -893,7 +897,7 @@
             <a:fld id="{530820CF-B880-4189-942D-D702A7CBA730}" type="datetimeFigureOut">
               <a:rPr lang="zh-CN" altLang="en-US" smtClean="0"/>
               <a:pPr/>
-              <a:t>2015/4/3</a:t>
+              <a:t>2015/4/7</a:t>
             </a:fld>
             <a:endParaRPr lang="zh-CN" altLang="en-US"/>
           </a:p>
@@ -1070,7 +1074,7 @@
             <a:fld id="{530820CF-B880-4189-942D-D702A7CBA730}" type="datetimeFigureOut">
               <a:rPr lang="zh-CN" altLang="en-US" smtClean="0"/>
               <a:pPr/>
-              <a:t>2015/4/3</a:t>
+              <a:t>2015/4/7</a:t>
             </a:fld>
             <a:endParaRPr lang="zh-CN" altLang="en-US"/>
           </a:p>
@@ -1237,7 +1241,7 @@
             <a:fld id="{530820CF-B880-4189-942D-D702A7CBA730}" type="datetimeFigureOut">
               <a:rPr lang="zh-CN" altLang="en-US" smtClean="0"/>
               <a:pPr/>
-              <a:t>2015/4/3</a:t>
+              <a:t>2015/4/7</a:t>
             </a:fld>
             <a:endParaRPr lang="zh-CN" altLang="en-US"/>
           </a:p>
@@ -1480,7 +1484,7 @@
             <a:fld id="{530820CF-B880-4189-942D-D702A7CBA730}" type="datetimeFigureOut">
               <a:rPr lang="zh-CN" altLang="en-US" smtClean="0"/>
               <a:pPr/>
-              <a:t>2015/4/3</a:t>
+              <a:t>2015/4/7</a:t>
             </a:fld>
             <a:endParaRPr lang="zh-CN" altLang="en-US"/>
           </a:p>
@@ -1765,7 +1769,7 @@
             <a:fld id="{530820CF-B880-4189-942D-D702A7CBA730}" type="datetimeFigureOut">
               <a:rPr lang="zh-CN" altLang="en-US" smtClean="0"/>
               <a:pPr/>
-              <a:t>2015/4/3</a:t>
+              <a:t>2015/4/7</a:t>
             </a:fld>
             <a:endParaRPr lang="zh-CN" altLang="en-US"/>
           </a:p>
@@ -2184,7 +2188,7 @@
             <a:fld id="{530820CF-B880-4189-942D-D702A7CBA730}" type="datetimeFigureOut">
               <a:rPr lang="zh-CN" altLang="en-US" smtClean="0"/>
               <a:pPr/>
-              <a:t>2015/4/3</a:t>
+              <a:t>2015/4/7</a:t>
             </a:fld>
             <a:endParaRPr lang="zh-CN" altLang="en-US"/>
           </a:p>
@@ -2299,7 +2303,7 @@
             <a:fld id="{530820CF-B880-4189-942D-D702A7CBA730}" type="datetimeFigureOut">
               <a:rPr lang="zh-CN" altLang="en-US" smtClean="0"/>
               <a:pPr/>
-              <a:t>2015/4/3</a:t>
+              <a:t>2015/4/7</a:t>
             </a:fld>
             <a:endParaRPr lang="zh-CN" altLang="en-US"/>
           </a:p>
@@ -2391,7 +2395,7 @@
             <a:fld id="{530820CF-B880-4189-942D-D702A7CBA730}" type="datetimeFigureOut">
               <a:rPr lang="zh-CN" altLang="en-US" smtClean="0"/>
               <a:pPr/>
-              <a:t>2015/4/3</a:t>
+              <a:t>2015/4/7</a:t>
             </a:fld>
             <a:endParaRPr lang="zh-CN" altLang="en-US"/>
           </a:p>
@@ -2665,7 +2669,7 @@
             <a:fld id="{530820CF-B880-4189-942D-D702A7CBA730}" type="datetimeFigureOut">
               <a:rPr lang="zh-CN" altLang="en-US" smtClean="0"/>
               <a:pPr/>
-              <a:t>2015/4/3</a:t>
+              <a:t>2015/4/7</a:t>
             </a:fld>
             <a:endParaRPr lang="zh-CN" altLang="en-US"/>
           </a:p>
@@ -2915,7 +2919,7 @@
             <a:fld id="{530820CF-B880-4189-942D-D702A7CBA730}" type="datetimeFigureOut">
               <a:rPr lang="zh-CN" altLang="en-US" smtClean="0"/>
               <a:pPr/>
-              <a:t>2015/4/3</a:t>
+              <a:t>2015/4/7</a:t>
             </a:fld>
             <a:endParaRPr lang="zh-CN" altLang="en-US"/>
           </a:p>
@@ -3125,7 +3129,7 @@
             <a:fld id="{530820CF-B880-4189-942D-D702A7CBA730}" type="datetimeFigureOut">
               <a:rPr lang="zh-CN" altLang="en-US" smtClean="0"/>
               <a:pPr/>
-              <a:t>2015/4/3</a:t>
+              <a:t>2015/4/7</a:t>
             </a:fld>
             <a:endParaRPr lang="zh-CN" altLang="en-US"/>
           </a:p>
@@ -3617,11 +3621,7 @@
           <a:p>
             <a:r>
               <a:rPr lang="zh-CN" altLang="en-US" dirty="0" smtClean="0"/>
-              <a:t>中科</a:t>
-            </a:r>
-            <a:r>
-              <a:rPr lang="zh-CN" altLang="en-US" dirty="0" smtClean="0"/>
-              <a:t>院软</a:t>
+              <a:t>中科院软</a:t>
             </a:r>
             <a:r>
               <a:rPr lang="zh-CN" altLang="en-US" smtClean="0"/>
@@ -3732,7 +3732,11 @@
           <a:p>
             <a:r>
               <a:rPr lang="zh-CN" altLang="en-US" dirty="0" smtClean="0"/>
-              <a:t>课程介绍</a:t>
+              <a:t>学</a:t>
+            </a:r>
+            <a:r>
+              <a:rPr lang="zh-CN" altLang="en-US" dirty="0" smtClean="0"/>
+              <a:t>校与公司</a:t>
             </a:r>
             <a:endParaRPr lang="zh-CN" altLang="en-US" dirty="0"/>
           </a:p>
@@ -3750,118 +3754,43 @@
         </p:nvSpPr>
         <p:spPr/>
         <p:txBody>
-          <a:bodyPr>
-            <a:normAutofit lnSpcReduction="10000"/>
-          </a:bodyPr>
-          <a:lstStyle/>
-          <a:p>
-            <a:r>
-              <a:rPr lang="zh-CN" altLang="en-US" dirty="0" smtClean="0"/>
-              <a:t>理论</a:t>
+          <a:bodyPr/>
+          <a:lstStyle/>
+          <a:p>
+            <a:r>
+              <a:rPr lang="zh-CN" altLang="en-US" dirty="0" smtClean="0"/>
+              <a:t>写代码</a:t>
             </a:r>
             <a:endParaRPr lang="en-US" altLang="zh-CN" dirty="0" smtClean="0"/>
           </a:p>
           <a:p>
-            <a:pPr lvl="1"/>
-            <a:r>
-              <a:rPr lang="en-US" altLang="zh-CN" dirty="0" smtClean="0"/>
-              <a:t>Java</a:t>
-            </a:r>
-            <a:r>
-              <a:rPr lang="zh-CN" altLang="en-US" dirty="0" smtClean="0"/>
-              <a:t>基础</a:t>
+            <a:r>
+              <a:rPr lang="zh-CN" altLang="en-US" dirty="0" smtClean="0"/>
+              <a:t>管理代码</a:t>
             </a:r>
             <a:endParaRPr lang="en-US" altLang="zh-CN" dirty="0" smtClean="0"/>
           </a:p>
           <a:p>
-            <a:pPr lvl="1"/>
-            <a:r>
-              <a:rPr lang="en-US" altLang="zh-CN" dirty="0" smtClean="0"/>
-              <a:t>Web</a:t>
-            </a:r>
-            <a:r>
-              <a:rPr lang="zh-CN" altLang="en-US" dirty="0" smtClean="0"/>
-              <a:t>基础</a:t>
+            <a:r>
+              <a:rPr lang="zh-CN" altLang="en-US" dirty="0" smtClean="0"/>
+              <a:t>使</a:t>
+            </a:r>
+            <a:r>
+              <a:rPr lang="zh-CN" altLang="en-US" dirty="0" smtClean="0"/>
+              <a:t>用</a:t>
             </a:r>
             <a:endParaRPr lang="en-US" altLang="zh-CN" dirty="0" smtClean="0"/>
           </a:p>
           <a:p>
-            <a:pPr lvl="1"/>
-            <a:r>
-              <a:rPr lang="zh-CN" altLang="en-US" dirty="0" smtClean="0"/>
-              <a:t>相</a:t>
-            </a:r>
-            <a:r>
-              <a:rPr lang="zh-CN" altLang="en-US" dirty="0" smtClean="0"/>
-              <a:t>关工具</a:t>
-            </a:r>
-            <a:endParaRPr lang="en-US" altLang="zh-CN" dirty="0" smtClean="0"/>
-          </a:p>
-          <a:p>
             <a:r>
               <a:rPr lang="zh-CN" altLang="en-US" dirty="0" smtClean="0"/>
               <a:t>实</a:t>
             </a:r>
             <a:r>
               <a:rPr lang="zh-CN" altLang="en-US" dirty="0" smtClean="0"/>
-              <a:t>践</a:t>
-            </a:r>
-            <a:endParaRPr lang="en-US" altLang="zh-CN" dirty="0" smtClean="0"/>
-          </a:p>
-          <a:p>
-            <a:pPr lvl="1"/>
-            <a:r>
-              <a:rPr lang="zh-CN" altLang="en-US" dirty="0" smtClean="0"/>
-              <a:t>项</a:t>
-            </a:r>
-            <a:r>
-              <a:rPr lang="zh-CN" altLang="en-US" dirty="0" smtClean="0"/>
-              <a:t>目开发</a:t>
-            </a:r>
-            <a:endParaRPr lang="en-US" altLang="zh-CN" dirty="0" smtClean="0"/>
-          </a:p>
-          <a:p>
-            <a:pPr lvl="1"/>
-            <a:r>
-              <a:rPr lang="zh-CN" altLang="en-US" dirty="0" smtClean="0"/>
-              <a:t>实</a:t>
-            </a:r>
-            <a:r>
-              <a:rPr lang="zh-CN" altLang="en-US" dirty="0" smtClean="0"/>
-              <a:t>际上线</a:t>
-            </a:r>
-            <a:endParaRPr lang="en-US" altLang="zh-CN" dirty="0" smtClean="0"/>
-          </a:p>
-          <a:p>
-            <a:r>
-              <a:rPr lang="zh-CN" altLang="en-US" dirty="0" smtClean="0"/>
-              <a:t>特点</a:t>
-            </a:r>
-            <a:endParaRPr lang="en-US" altLang="zh-CN" dirty="0" smtClean="0"/>
-          </a:p>
-          <a:p>
-            <a:pPr lvl="1"/>
-            <a:r>
-              <a:rPr lang="zh-CN" altLang="en-US" dirty="0" smtClean="0"/>
-              <a:t>前</a:t>
-            </a:r>
-            <a:r>
-              <a:rPr lang="zh-CN" altLang="en-US" dirty="0" smtClean="0"/>
-              <a:t>沿技术</a:t>
-            </a:r>
-            <a:r>
-              <a:rPr lang="en-US" altLang="zh-CN" dirty="0" smtClean="0"/>
-              <a:t>(</a:t>
-            </a:r>
-            <a:r>
-              <a:rPr lang="en-US" altLang="zh-CN" dirty="0" err="1" smtClean="0"/>
-              <a:t>Git/Github/AWS/Java/CI</a:t>
-            </a:r>
-            <a:r>
-              <a:rPr lang="zh-CN" altLang="en-US" dirty="0" smtClean="0"/>
-              <a:t>等）</a:t>
-            </a:r>
-            <a:endParaRPr lang="en-US" altLang="zh-CN" dirty="0" smtClean="0"/>
+              <a:t>习与培训的重要性</a:t>
+            </a:r>
+            <a:endParaRPr lang="zh-CN" altLang="en-US" dirty="0"/>
           </a:p>
         </p:txBody>
       </p:sp>
@@ -3914,7 +3843,7 @@
           <a:p>
             <a:r>
               <a:rPr lang="zh-CN" altLang="en-US" dirty="0" smtClean="0"/>
-              <a:t>准备工作</a:t>
+              <a:t>课程介绍</a:t>
             </a:r>
             <a:endParaRPr lang="zh-CN" altLang="en-US" dirty="0"/>
           </a:p>
@@ -3932,90 +3861,108 @@
         </p:nvSpPr>
         <p:spPr/>
         <p:txBody>
-          <a:bodyPr/>
-          <a:lstStyle/>
-          <a:p>
-            <a:r>
-              <a:rPr lang="zh-CN" altLang="en-US" dirty="0" smtClean="0"/>
-              <a:t>整</a:t>
-            </a:r>
-            <a:r>
-              <a:rPr lang="zh-CN" altLang="en-US" dirty="0" smtClean="0"/>
-              <a:t>个课程代码基于</a:t>
+          <a:bodyPr>
+            <a:normAutofit fontScale="92500" lnSpcReduction="20000"/>
+          </a:bodyPr>
+          <a:lstStyle/>
+          <a:p>
+            <a:r>
+              <a:rPr lang="zh-CN" altLang="en-US" dirty="0" smtClean="0"/>
+              <a:t>理论</a:t>
+            </a:r>
+            <a:endParaRPr lang="en-US" altLang="zh-CN" dirty="0" smtClean="0"/>
+          </a:p>
+          <a:p>
+            <a:pPr lvl="1"/>
+            <a:r>
+              <a:rPr lang="en-US" altLang="zh-CN" dirty="0" smtClean="0"/>
+              <a:t>Java</a:t>
+            </a:r>
+            <a:r>
+              <a:rPr lang="zh-CN" altLang="en-US" dirty="0" smtClean="0"/>
+              <a:t>基础</a:t>
+            </a:r>
+            <a:endParaRPr lang="en-US" altLang="zh-CN" dirty="0" smtClean="0"/>
+          </a:p>
+          <a:p>
+            <a:pPr lvl="1"/>
+            <a:r>
+              <a:rPr lang="en-US" altLang="zh-CN" dirty="0" smtClean="0"/>
+              <a:t>Web</a:t>
+            </a:r>
+            <a:r>
+              <a:rPr lang="zh-CN" altLang="en-US" dirty="0" smtClean="0"/>
+              <a:t>基础</a:t>
+            </a:r>
+            <a:endParaRPr lang="en-US" altLang="zh-CN" dirty="0" smtClean="0"/>
+          </a:p>
+          <a:p>
+            <a:pPr lvl="1"/>
+            <a:r>
+              <a:rPr lang="zh-CN" altLang="en-US" dirty="0" smtClean="0"/>
+              <a:t>相关工具</a:t>
+            </a:r>
+            <a:endParaRPr lang="en-US" altLang="zh-CN" dirty="0" smtClean="0"/>
+          </a:p>
+          <a:p>
+            <a:r>
+              <a:rPr lang="zh-CN" altLang="en-US" dirty="0" smtClean="0"/>
+              <a:t>实践</a:t>
+            </a:r>
+            <a:endParaRPr lang="en-US" altLang="zh-CN" dirty="0" smtClean="0"/>
+          </a:p>
+          <a:p>
+            <a:pPr lvl="1"/>
+            <a:r>
+              <a:rPr lang="zh-CN" altLang="en-US" dirty="0" smtClean="0"/>
+              <a:t>项目开发</a:t>
+            </a:r>
+            <a:endParaRPr lang="en-US" altLang="zh-CN" dirty="0" smtClean="0"/>
+          </a:p>
+          <a:p>
+            <a:pPr lvl="1"/>
+            <a:r>
+              <a:rPr lang="zh-CN" altLang="en-US" dirty="0" smtClean="0"/>
+              <a:t>实际上线</a:t>
+            </a:r>
+            <a:endParaRPr lang="en-US" altLang="zh-CN" dirty="0" smtClean="0"/>
+          </a:p>
+          <a:p>
+            <a:r>
+              <a:rPr lang="zh-CN" altLang="en-US" dirty="0" smtClean="0"/>
+              <a:t>特点</a:t>
+            </a:r>
+            <a:endParaRPr lang="en-US" altLang="zh-CN" dirty="0" smtClean="0"/>
+          </a:p>
+          <a:p>
+            <a:pPr lvl="1"/>
+            <a:r>
+              <a:rPr lang="zh-CN" altLang="en-US" dirty="0" smtClean="0"/>
+              <a:t>打好基础（基础的语法，使用习惯等）</a:t>
+            </a:r>
+            <a:endParaRPr lang="en-US" altLang="zh-CN" dirty="0" smtClean="0"/>
+          </a:p>
+          <a:p>
+            <a:pPr lvl="1"/>
+            <a:r>
+              <a:rPr lang="zh-CN" altLang="en-US" dirty="0" smtClean="0"/>
+              <a:t>前</a:t>
+            </a:r>
+            <a:r>
+              <a:rPr lang="zh-CN" altLang="en-US" dirty="0" smtClean="0"/>
+              <a:t>沿技术</a:t>
+            </a:r>
+            <a:r>
+              <a:rPr lang="en-US" altLang="zh-CN" dirty="0" smtClean="0"/>
+              <a:t>(</a:t>
             </a:r>
             <a:r>
               <a:rPr lang="en-US" altLang="zh-CN" dirty="0" err="1" smtClean="0"/>
-              <a:t>Github</a:t>
-            </a:r>
-            <a:endParaRPr lang="en-US" altLang="zh-CN" dirty="0" smtClean="0"/>
-          </a:p>
-          <a:p>
-            <a:pPr lvl="1"/>
-            <a:r>
-              <a:rPr lang="zh-CN" altLang="en-US" dirty="0" smtClean="0"/>
-              <a:t>安</a:t>
-            </a:r>
-            <a:r>
-              <a:rPr lang="zh-CN" altLang="en-US" dirty="0" smtClean="0"/>
-              <a:t>装</a:t>
-            </a:r>
-            <a:r>
-              <a:rPr lang="en-US" altLang="zh-CN" dirty="0" err="1" smtClean="0"/>
-              <a:t>git</a:t>
-            </a:r>
-            <a:endParaRPr lang="en-US" altLang="zh-CN" dirty="0" smtClean="0"/>
-          </a:p>
-          <a:p>
-            <a:pPr lvl="1"/>
-            <a:r>
-              <a:rPr lang="zh-CN" altLang="en-US" dirty="0" smtClean="0"/>
-              <a:t>注</a:t>
-            </a:r>
-            <a:r>
-              <a:rPr lang="zh-CN" altLang="en-US" dirty="0" smtClean="0"/>
-              <a:t>册</a:t>
-            </a:r>
-            <a:r>
-              <a:rPr lang="en-US" altLang="zh-CN" dirty="0" err="1" smtClean="0"/>
-              <a:t>github</a:t>
-            </a:r>
-            <a:endParaRPr lang="en-US" altLang="zh-CN" dirty="0" smtClean="0"/>
-          </a:p>
-          <a:p>
-            <a:pPr lvl="1"/>
-            <a:r>
-              <a:rPr lang="zh-CN" altLang="en-US" dirty="0" smtClean="0"/>
-              <a:t>建</a:t>
-            </a:r>
-            <a:r>
-              <a:rPr lang="zh-CN" altLang="en-US" dirty="0" smtClean="0"/>
-              <a:t>立第一个</a:t>
-            </a:r>
-            <a:r>
-              <a:rPr lang="en-US" altLang="zh-CN" dirty="0" smtClean="0"/>
-              <a:t>repo(</a:t>
-            </a:r>
-            <a:r>
-              <a:rPr lang="zh-CN" altLang="en-US" dirty="0" smtClean="0"/>
-              <a:t>代码库</a:t>
-            </a:r>
-            <a:r>
-              <a:rPr lang="en-US" altLang="zh-CN" dirty="0" smtClean="0"/>
-              <a:t>)</a:t>
-            </a:r>
-          </a:p>
-          <a:p>
-            <a:r>
-              <a:rPr lang="zh-CN" altLang="en-US" dirty="0" smtClean="0"/>
-              <a:t>安</a:t>
-            </a:r>
-            <a:r>
-              <a:rPr lang="zh-CN" altLang="en-US" dirty="0" smtClean="0"/>
-              <a:t>装</a:t>
-            </a:r>
-            <a:r>
-              <a:rPr lang="en-US" altLang="zh-CN" dirty="0" smtClean="0"/>
-              <a:t>eclipse</a:t>
+              <a:t>Git/Github/AWS/Java/CI</a:t>
+            </a:r>
+            <a:r>
+              <a:rPr lang="zh-CN" altLang="en-US" dirty="0" smtClean="0"/>
+              <a:t>等）</a:t>
             </a:r>
             <a:endParaRPr lang="en-US" altLang="zh-CN" dirty="0" smtClean="0"/>
           </a:p>
@@ -4070,38 +4017,34 @@
           <a:p>
             <a:r>
               <a:rPr lang="zh-CN" altLang="en-US" dirty="0" smtClean="0"/>
-              <a:t>简</a:t>
-            </a:r>
-            <a:r>
-              <a:rPr lang="zh-CN" altLang="en-US" dirty="0" smtClean="0"/>
-              <a:t>单测试之</a:t>
+              <a:t>准备工作</a:t>
+            </a:r>
+            <a:endParaRPr lang="zh-CN" altLang="en-US" dirty="0"/>
+          </a:p>
+        </p:txBody>
+      </p:sp>
+      <p:sp>
+        <p:nvSpPr>
+          <p:cNvPr id="3" name="内容占位符 2"/>
+          <p:cNvSpPr>
+            <a:spLocks noGrp="1"/>
+          </p:cNvSpPr>
+          <p:nvPr>
+            <p:ph idx="1"/>
+          </p:nvPr>
+        </p:nvSpPr>
+        <p:spPr/>
+        <p:txBody>
+          <a:bodyPr/>
+          <a:lstStyle/>
+          <a:p>
+            <a:r>
+              <a:rPr lang="zh-CN" altLang="en-US" dirty="0" smtClean="0"/>
+              <a:t>整个课程代码基于</a:t>
             </a:r>
             <a:r>
               <a:rPr lang="en-US" altLang="zh-CN" dirty="0" err="1" smtClean="0"/>
-              <a:t>helloworld</a:t>
-            </a:r>
-            <a:endParaRPr lang="zh-CN" altLang="en-US" dirty="0"/>
-          </a:p>
-        </p:txBody>
-      </p:sp>
-      <p:sp>
-        <p:nvSpPr>
-          <p:cNvPr id="3" name="内容占位符 2"/>
-          <p:cNvSpPr>
-            <a:spLocks noGrp="1"/>
-          </p:cNvSpPr>
-          <p:nvPr>
-            <p:ph idx="1"/>
-          </p:nvPr>
-        </p:nvSpPr>
-        <p:spPr/>
-        <p:txBody>
-          <a:bodyPr/>
-          <a:lstStyle/>
-          <a:p>
-            <a:r>
-              <a:rPr lang="zh-CN" altLang="en-US" dirty="0" smtClean="0"/>
-              <a:t>定义</a:t>
+              <a:t>Github</a:t>
             </a:r>
             <a:endParaRPr lang="en-US" altLang="zh-CN" dirty="0" smtClean="0"/>
           </a:p>
@@ -4109,7 +4052,11 @@
             <a:pPr lvl="1"/>
             <a:r>
               <a:rPr lang="zh-CN" altLang="en-US" dirty="0" smtClean="0"/>
-              <a:t>输入：无</a:t>
+              <a:t>安装</a:t>
+            </a:r>
+            <a:r>
+              <a:rPr lang="en-US" altLang="zh-CN" dirty="0" err="1" smtClean="0"/>
+              <a:t>git</a:t>
             </a:r>
             <a:endParaRPr lang="en-US" altLang="zh-CN" dirty="0" smtClean="0"/>
           </a:p>
@@ -4117,53 +4064,64 @@
             <a:pPr lvl="1"/>
             <a:r>
               <a:rPr lang="zh-CN" altLang="en-US" dirty="0" smtClean="0"/>
-              <a:t>输</a:t>
-            </a:r>
-            <a:r>
-              <a:rPr lang="zh-CN" altLang="en-US" dirty="0" smtClean="0"/>
-              <a:t>出：</a:t>
-            </a:r>
-            <a:r>
-              <a:rPr lang="en-US" altLang="zh-CN" dirty="0" smtClean="0"/>
-              <a:t>hello world</a:t>
-            </a:r>
-          </a:p>
-          <a:p>
-            <a:r>
-              <a:rPr lang="zh-CN" altLang="en-US" dirty="0" smtClean="0"/>
-              <a:t>要</a:t>
-            </a:r>
-            <a:r>
-              <a:rPr lang="zh-CN" altLang="en-US" dirty="0" smtClean="0"/>
-              <a:t>求</a:t>
-            </a:r>
-            <a:endParaRPr lang="en-US" altLang="zh-CN" dirty="0" smtClean="0"/>
-          </a:p>
-          <a:p>
-            <a:pPr lvl="1"/>
-            <a:r>
-              <a:rPr lang="zh-CN" altLang="en-US" dirty="0" smtClean="0"/>
-              <a:t>以</a:t>
+              <a:t>注册</a:t>
             </a:r>
             <a:r>
               <a:rPr lang="en-US" altLang="zh-CN" dirty="0" err="1" smtClean="0"/>
               <a:t>github</a:t>
             </a:r>
-            <a:r>
-              <a:rPr lang="zh-CN" altLang="en-US" dirty="0" smtClean="0"/>
-              <a:t>提交代码</a:t>
-            </a:r>
             <a:endParaRPr lang="en-US" altLang="zh-CN" dirty="0" smtClean="0"/>
           </a:p>
           <a:p>
             <a:pPr lvl="1"/>
             <a:r>
               <a:rPr lang="zh-CN" altLang="en-US" dirty="0" smtClean="0"/>
-              <a:t>注</a:t>
-            </a:r>
-            <a:r>
-              <a:rPr lang="zh-CN" altLang="en-US" dirty="0" smtClean="0"/>
-              <a:t>意代码规范</a:t>
+              <a:t>建立第一个</a:t>
+            </a:r>
+            <a:r>
+              <a:rPr lang="en-US" altLang="zh-CN" dirty="0" smtClean="0"/>
+              <a:t>repo(</a:t>
+            </a:r>
+            <a:r>
+              <a:rPr lang="zh-CN" altLang="en-US" dirty="0" smtClean="0"/>
+              <a:t>代码库</a:t>
+            </a:r>
+            <a:r>
+              <a:rPr lang="en-US" altLang="zh-CN" dirty="0" smtClean="0"/>
+              <a:t>)</a:t>
+            </a:r>
+          </a:p>
+          <a:p>
+            <a:r>
+              <a:rPr lang="zh-CN" altLang="en-US" dirty="0" smtClean="0"/>
+              <a:t>安装</a:t>
+            </a:r>
+            <a:r>
+              <a:rPr lang="en-US" altLang="zh-CN" dirty="0" smtClean="0"/>
+              <a:t>eclipse</a:t>
+            </a:r>
+          </a:p>
+          <a:p>
+            <a:pPr lvl="1"/>
+            <a:r>
+              <a:rPr lang="zh-CN" altLang="en-US" dirty="0" smtClean="0"/>
+              <a:t>安</a:t>
+            </a:r>
+            <a:r>
+              <a:rPr lang="zh-CN" altLang="en-US" dirty="0" smtClean="0"/>
+              <a:t>装最新版本</a:t>
+            </a:r>
+            <a:endParaRPr lang="en-US" altLang="zh-CN" dirty="0" smtClean="0"/>
+          </a:p>
+          <a:p>
+            <a:pPr lvl="1"/>
+            <a:r>
+              <a:rPr lang="zh-CN" altLang="en-US" dirty="0" smtClean="0"/>
+              <a:t>配</a:t>
+            </a:r>
+            <a:r>
+              <a:rPr lang="zh-CN" altLang="en-US" dirty="0" smtClean="0"/>
+              <a:t>置好环境</a:t>
             </a:r>
             <a:endParaRPr lang="en-US" altLang="zh-CN" dirty="0" smtClean="0"/>
           </a:p>
@@ -4218,11 +4176,11 @@
           <a:p>
             <a:r>
               <a:rPr lang="zh-CN" altLang="en-US" dirty="0" smtClean="0"/>
-              <a:t>简</a:t>
-            </a:r>
-            <a:r>
-              <a:rPr lang="zh-CN" altLang="en-US" dirty="0" smtClean="0"/>
-              <a:t>单测试之斐波拉契数列</a:t>
+              <a:t>简单测试之</a:t>
+            </a:r>
+            <a:r>
+              <a:rPr lang="en-US" altLang="zh-CN" dirty="0" err="1" smtClean="0"/>
+              <a:t>helloworld</a:t>
             </a:r>
             <a:endParaRPr lang="zh-CN" altLang="en-US" dirty="0"/>
           </a:p>
@@ -4240,9 +4198,7 @@
         </p:nvSpPr>
         <p:spPr/>
         <p:txBody>
-          <a:bodyPr>
-            <a:normAutofit fontScale="85000" lnSpcReduction="20000"/>
-          </a:bodyPr>
+          <a:bodyPr/>
           <a:lstStyle/>
           <a:p>
             <a:r>
@@ -4254,112 +4210,26 @@
           <a:p>
             <a:pPr lvl="1"/>
             <a:r>
+              <a:rPr lang="zh-CN" altLang="en-US" dirty="0" smtClean="0"/>
+              <a:t>输入：无</a:t>
+            </a:r>
+            <a:endParaRPr lang="en-US" altLang="zh-CN" dirty="0" smtClean="0"/>
+          </a:p>
+          <a:p>
+            <a:pPr lvl="1"/>
+            <a:r>
+              <a:rPr lang="zh-CN" altLang="en-US" dirty="0" smtClean="0"/>
+              <a:t>输出：</a:t>
+            </a:r>
+            <a:r>
               <a:rPr lang="en-US" altLang="zh-CN" dirty="0" smtClean="0"/>
-              <a:t>Fib(0)=0</a:t>
-            </a:r>
-          </a:p>
-          <a:p>
-            <a:pPr lvl="1"/>
-            <a:r>
-              <a:rPr lang="en-US" altLang="zh-CN" dirty="0" smtClean="0"/>
-              <a:t>Fib(1)=1</a:t>
-            </a:r>
-          </a:p>
-          <a:p>
-            <a:pPr lvl="1"/>
-            <a:r>
-              <a:rPr lang="en-US" altLang="zh-CN" dirty="0" smtClean="0"/>
-              <a:t>Fib(n)=Fib(n-1)+Fib(n-2) n&gt;1</a:t>
-            </a:r>
-          </a:p>
-          <a:p>
-            <a:r>
-              <a:rPr lang="zh-CN" altLang="en-US" dirty="0" smtClean="0"/>
-              <a:t>输</a:t>
-            </a:r>
-            <a:r>
-              <a:rPr lang="zh-CN" altLang="en-US" dirty="0" smtClean="0"/>
-              <a:t>入输出</a:t>
-            </a:r>
-            <a:endParaRPr lang="en-US" altLang="zh-CN" dirty="0" smtClean="0"/>
-          </a:p>
-          <a:p>
-            <a:pPr lvl="1"/>
-            <a:r>
-              <a:rPr lang="zh-CN" altLang="en-US" dirty="0" smtClean="0"/>
-              <a:t>输</a:t>
-            </a:r>
-            <a:r>
-              <a:rPr lang="zh-CN" altLang="en-US" dirty="0" smtClean="0"/>
-              <a:t>入：整形数字</a:t>
-            </a:r>
-            <a:r>
-              <a:rPr lang="en-US" altLang="zh-CN" dirty="0" smtClean="0"/>
-              <a:t>n</a:t>
-            </a:r>
-          </a:p>
-          <a:p>
-            <a:pPr lvl="1"/>
-            <a:r>
-              <a:rPr lang="zh-CN" altLang="en-US" dirty="0" smtClean="0"/>
-              <a:t>输</a:t>
-            </a:r>
-            <a:r>
-              <a:rPr lang="zh-CN" altLang="en-US" dirty="0" smtClean="0"/>
-              <a:t>出：</a:t>
-            </a:r>
-            <a:r>
-              <a:rPr lang="zh-CN" altLang="en-US" dirty="0" smtClean="0"/>
-              <a:t>数</a:t>
-            </a:r>
-            <a:r>
-              <a:rPr lang="zh-CN" altLang="en-US" dirty="0" smtClean="0"/>
-              <a:t>列</a:t>
-            </a:r>
-            <a:r>
-              <a:rPr lang="en-US" altLang="zh-CN" dirty="0" smtClean="0"/>
-              <a:t>Fib(0), Fib(1), Fib(2), …, Fib(n)</a:t>
-            </a:r>
-          </a:p>
-          <a:p>
-            <a:pPr lvl="1"/>
-            <a:r>
-              <a:rPr lang="zh-CN" altLang="en-US" dirty="0" smtClean="0"/>
-              <a:t>例</a:t>
-            </a:r>
-            <a:r>
-              <a:rPr lang="zh-CN" altLang="en-US" dirty="0" smtClean="0"/>
-              <a:t>如：输入</a:t>
-            </a:r>
-            <a:r>
-              <a:rPr lang="en-US" altLang="zh-CN" dirty="0" smtClean="0"/>
-              <a:t>3</a:t>
-            </a:r>
-            <a:r>
-              <a:rPr lang="zh-CN" altLang="en-US" dirty="0" smtClean="0"/>
-              <a:t>，输出 </a:t>
-            </a:r>
-            <a:r>
-              <a:rPr lang="en-US" altLang="zh-CN" dirty="0" smtClean="0"/>
-              <a:t>0 1 </a:t>
-            </a:r>
-            <a:r>
-              <a:rPr lang="en-US" altLang="zh-CN" dirty="0" err="1" smtClean="0"/>
-              <a:t>1</a:t>
-            </a:r>
-            <a:r>
-              <a:rPr lang="en-US" altLang="zh-CN" dirty="0" smtClean="0"/>
-              <a:t> 2</a:t>
-            </a:r>
-          </a:p>
-          <a:p>
-            <a:r>
-              <a:rPr lang="zh-CN" altLang="en-US" dirty="0" smtClean="0"/>
-              <a:t>要</a:t>
-            </a:r>
-            <a:r>
-              <a:rPr lang="zh-CN" altLang="en-US" dirty="0" smtClean="0"/>
-              <a:t>求</a:t>
+              <a:t>hello world</a:t>
+            </a:r>
+          </a:p>
+          <a:p>
+            <a:r>
+              <a:rPr lang="zh-CN" altLang="en-US" dirty="0" smtClean="0"/>
+              <a:t>要求</a:t>
             </a:r>
             <a:endParaRPr lang="en-US" altLang="zh-CN" dirty="0" smtClean="0"/>
           </a:p>
@@ -4383,11 +4253,7 @@
             <a:pPr lvl="1"/>
             <a:r>
               <a:rPr lang="zh-CN" altLang="en-US" dirty="0" smtClean="0"/>
-              <a:t>注</a:t>
-            </a:r>
-            <a:r>
-              <a:rPr lang="zh-CN" altLang="en-US" dirty="0" smtClean="0"/>
-              <a:t>意代码规范</a:t>
+              <a:t>注意代码规范</a:t>
             </a:r>
             <a:endParaRPr lang="en-US" altLang="zh-CN" dirty="0" smtClean="0"/>
           </a:p>
@@ -4442,11 +4308,7 @@
           <a:p>
             <a:r>
               <a:rPr lang="zh-CN" altLang="en-US" dirty="0" smtClean="0"/>
-              <a:t>其</a:t>
-            </a:r>
-            <a:r>
-              <a:rPr lang="zh-CN" altLang="en-US" dirty="0" smtClean="0"/>
-              <a:t>它</a:t>
+              <a:t>简单测试之斐波拉契数列</a:t>
             </a:r>
             <a:endParaRPr lang="zh-CN" altLang="en-US" dirty="0"/>
           </a:p>
@@ -4464,6 +4326,194 @@
         </p:nvSpPr>
         <p:spPr/>
         <p:txBody>
+          <a:bodyPr>
+            <a:normAutofit fontScale="85000" lnSpcReduction="20000"/>
+          </a:bodyPr>
+          <a:lstStyle/>
+          <a:p>
+            <a:r>
+              <a:rPr lang="zh-CN" altLang="en-US" dirty="0" smtClean="0"/>
+              <a:t>定义</a:t>
+            </a:r>
+            <a:endParaRPr lang="en-US" altLang="zh-CN" dirty="0" smtClean="0"/>
+          </a:p>
+          <a:p>
+            <a:pPr lvl="1"/>
+            <a:r>
+              <a:rPr lang="en-US" altLang="zh-CN" dirty="0" smtClean="0"/>
+              <a:t>Fib(0)=0</a:t>
+            </a:r>
+          </a:p>
+          <a:p>
+            <a:pPr lvl="1"/>
+            <a:r>
+              <a:rPr lang="en-US" altLang="zh-CN" dirty="0" smtClean="0"/>
+              <a:t>Fib(1)=1</a:t>
+            </a:r>
+          </a:p>
+          <a:p>
+            <a:pPr lvl="1"/>
+            <a:r>
+              <a:rPr lang="en-US" altLang="zh-CN" dirty="0" smtClean="0"/>
+              <a:t>Fib(n)=Fib(n-1)+Fib(n-2) n&gt;1</a:t>
+            </a:r>
+          </a:p>
+          <a:p>
+            <a:r>
+              <a:rPr lang="zh-CN" altLang="en-US" dirty="0" smtClean="0"/>
+              <a:t>输入输出</a:t>
+            </a:r>
+            <a:endParaRPr lang="en-US" altLang="zh-CN" dirty="0" smtClean="0"/>
+          </a:p>
+          <a:p>
+            <a:pPr lvl="1"/>
+            <a:r>
+              <a:rPr lang="zh-CN" altLang="en-US" dirty="0" smtClean="0"/>
+              <a:t>输入：整形数字</a:t>
+            </a:r>
+            <a:r>
+              <a:rPr lang="en-US" altLang="zh-CN" dirty="0" smtClean="0"/>
+              <a:t>n</a:t>
+            </a:r>
+          </a:p>
+          <a:p>
+            <a:pPr lvl="1"/>
+            <a:r>
+              <a:rPr lang="zh-CN" altLang="en-US" dirty="0" smtClean="0"/>
+              <a:t>输出：数列</a:t>
+            </a:r>
+            <a:r>
+              <a:rPr lang="en-US" altLang="zh-CN" dirty="0" smtClean="0"/>
+              <a:t>Fib(0), Fib(1), Fib(2), …, Fib(n)</a:t>
+            </a:r>
+          </a:p>
+          <a:p>
+            <a:pPr lvl="1"/>
+            <a:r>
+              <a:rPr lang="zh-CN" altLang="en-US" dirty="0" smtClean="0"/>
+              <a:t>例如：输入</a:t>
+            </a:r>
+            <a:r>
+              <a:rPr lang="en-US" altLang="zh-CN" dirty="0" smtClean="0"/>
+              <a:t>3</a:t>
+            </a:r>
+            <a:r>
+              <a:rPr lang="zh-CN" altLang="en-US" dirty="0" smtClean="0"/>
+              <a:t>，输出 </a:t>
+            </a:r>
+            <a:r>
+              <a:rPr lang="en-US" altLang="zh-CN" dirty="0" smtClean="0"/>
+              <a:t>0 1 </a:t>
+            </a:r>
+            <a:r>
+              <a:rPr lang="en-US" altLang="zh-CN" dirty="0" err="1" smtClean="0"/>
+              <a:t>1</a:t>
+            </a:r>
+            <a:r>
+              <a:rPr lang="en-US" altLang="zh-CN" dirty="0" smtClean="0"/>
+              <a:t> 2</a:t>
+            </a:r>
+          </a:p>
+          <a:p>
+            <a:r>
+              <a:rPr lang="zh-CN" altLang="en-US" dirty="0" smtClean="0"/>
+              <a:t>要求</a:t>
+            </a:r>
+            <a:endParaRPr lang="en-US" altLang="zh-CN" dirty="0" smtClean="0"/>
+          </a:p>
+          <a:p>
+            <a:pPr lvl="1"/>
+            <a:r>
+              <a:rPr lang="zh-CN" altLang="en-US" dirty="0" smtClean="0"/>
+              <a:t>以</a:t>
+            </a:r>
+            <a:r>
+              <a:rPr lang="en-US" altLang="zh-CN" dirty="0" err="1" smtClean="0"/>
+              <a:t>github</a:t>
+            </a:r>
+            <a:r>
+              <a:rPr lang="zh-CN" altLang="en-US" dirty="0" smtClean="0"/>
+              <a:t>提交代码</a:t>
+            </a:r>
+            <a:endParaRPr lang="en-US" altLang="zh-CN" dirty="0" smtClean="0"/>
+          </a:p>
+          <a:p>
+            <a:pPr lvl="1"/>
+            <a:r>
+              <a:rPr lang="zh-CN" altLang="en-US" dirty="0" smtClean="0"/>
+              <a:t>注意代码规范</a:t>
+            </a:r>
+            <a:endParaRPr lang="en-US" altLang="zh-CN" dirty="0" smtClean="0"/>
+          </a:p>
+        </p:txBody>
+      </p:sp>
+    </p:spTree>
+  </p:cSld>
+  <p:clrMapOvr>
+    <a:masterClrMapping/>
+  </p:clrMapOvr>
+  <p:timing>
+    <p:tnLst>
+      <p:par>
+        <p:cTn id="1" dur="indefinite" restart="never" nodeType="tmRoot"/>
+      </p:par>
+    </p:tnLst>
+  </p:timing>
+</p:sld>
+</file>
+
+<file path=ppt/slides/slide8.xml><?xml version="1.0" encoding="utf-8"?>
+<p:sld xmlns:a="http://schemas.openxmlformats.org/drawingml/2006/main" xmlns:r="http://schemas.openxmlformats.org/officeDocument/2006/relationships" xmlns:p="http://schemas.openxmlformats.org/presentationml/2006/main">
+  <p:cSld>
+    <p:spTree>
+      <p:nvGrpSpPr>
+        <p:cNvPr id="1" name=""/>
+        <p:cNvGrpSpPr/>
+        <p:nvPr/>
+      </p:nvGrpSpPr>
+      <p:grpSpPr>
+        <a:xfrm>
+          <a:off x="0" y="0"/>
+          <a:ext cx="0" cy="0"/>
+          <a:chOff x="0" y="0"/>
+          <a:chExt cx="0" cy="0"/>
+        </a:xfrm>
+      </p:grpSpPr>
+      <p:sp>
+        <p:nvSpPr>
+          <p:cNvPr id="2" name="标题 1"/>
+          <p:cNvSpPr>
+            <a:spLocks noGrp="1"/>
+          </p:cNvSpPr>
+          <p:nvPr>
+            <p:ph type="title"/>
+          </p:nvPr>
+        </p:nvSpPr>
+        <p:spPr/>
+        <p:txBody>
+          <a:bodyPr/>
+          <a:lstStyle/>
+          <a:p>
+            <a:r>
+              <a:rPr lang="zh-CN" altLang="en-US" dirty="0" smtClean="0"/>
+              <a:t>其它</a:t>
+            </a:r>
+            <a:endParaRPr lang="zh-CN" altLang="en-US" dirty="0"/>
+          </a:p>
+        </p:txBody>
+      </p:sp>
+      <p:sp>
+        <p:nvSpPr>
+          <p:cNvPr id="3" name="内容占位符 2"/>
+          <p:cNvSpPr>
+            <a:spLocks noGrp="1"/>
+          </p:cNvSpPr>
+          <p:nvPr>
+            <p:ph idx="1"/>
+          </p:nvPr>
+        </p:nvSpPr>
+        <p:spPr/>
+        <p:txBody>
           <a:bodyPr/>
           <a:lstStyle/>
           <a:p>
@@ -4477,11 +4527,7 @@
             <a:pPr lvl="1"/>
             <a:r>
               <a:rPr lang="zh-CN" altLang="en-US" dirty="0" smtClean="0"/>
-              <a:t>出</a:t>
-            </a:r>
-            <a:r>
-              <a:rPr lang="zh-CN" altLang="en-US" dirty="0" smtClean="0"/>
-              <a:t>勤</a:t>
+              <a:t>出勤</a:t>
             </a:r>
             <a:endParaRPr lang="en-US" altLang="zh-CN" dirty="0" smtClean="0"/>
           </a:p>
@@ -4489,11 +4535,7 @@
             <a:pPr lvl="1"/>
             <a:r>
               <a:rPr lang="zh-CN" altLang="en-US" dirty="0" smtClean="0"/>
-              <a:t>作</a:t>
-            </a:r>
-            <a:r>
-              <a:rPr lang="zh-CN" altLang="en-US" dirty="0" smtClean="0"/>
-              <a:t>业</a:t>
+              <a:t>作业</a:t>
             </a:r>
             <a:endParaRPr lang="en-US" altLang="zh-CN" dirty="0" smtClean="0"/>
           </a:p>
@@ -4501,22 +4543,14 @@
             <a:pPr lvl="1"/>
             <a:r>
               <a:rPr lang="zh-CN" altLang="en-US" dirty="0" smtClean="0"/>
-              <a:t>考</a:t>
-            </a:r>
-            <a:r>
-              <a:rPr lang="zh-CN" altLang="en-US" dirty="0" smtClean="0"/>
-              <a:t>试</a:t>
+              <a:t>考试</a:t>
             </a:r>
             <a:endParaRPr lang="en-US" altLang="zh-CN" dirty="0" smtClean="0"/>
           </a:p>
           <a:p>
             <a:r>
               <a:rPr lang="zh-CN" altLang="en-US" dirty="0" smtClean="0"/>
-              <a:t>积</a:t>
-            </a:r>
-            <a:r>
-              <a:rPr lang="zh-CN" altLang="en-US" dirty="0" smtClean="0"/>
-              <a:t>分作用</a:t>
+              <a:t>积分作用</a:t>
             </a:r>
             <a:endParaRPr lang="en-US" altLang="zh-CN" dirty="0" smtClean="0"/>
           </a:p>
@@ -4524,11 +4558,7 @@
             <a:pPr lvl="1"/>
             <a:r>
               <a:rPr lang="zh-CN" altLang="en-US" dirty="0" smtClean="0"/>
-              <a:t>推</a:t>
-            </a:r>
-            <a:r>
-              <a:rPr lang="zh-CN" altLang="en-US" dirty="0" smtClean="0"/>
-              <a:t>荐</a:t>
+              <a:t>推荐</a:t>
             </a:r>
             <a:endParaRPr lang="en-US" altLang="zh-CN" dirty="0" smtClean="0"/>
           </a:p>

--- a/lesson1/lesson1.pptx
+++ b/lesson1/lesson1.pptx
@@ -5,7 +5,7 @@
     <p:sldMasterId id="2147483648" r:id="rId1"/>
   </p:sldMasterIdLst>
   <p:notesMasterIdLst>
-    <p:notesMasterId r:id="rId10"/>
+    <p:notesMasterId r:id="rId11"/>
   </p:notesMasterIdLst>
   <p:sldIdLst>
     <p:sldId id="256" r:id="rId2"/>
@@ -16,6 +16,7 @@
     <p:sldId id="260" r:id="rId7"/>
     <p:sldId id="261" r:id="rId8"/>
     <p:sldId id="262" r:id="rId9"/>
+    <p:sldId id="264" r:id="rId10"/>
   </p:sldIdLst>
   <p:sldSz cx="9144000" cy="6858000" type="screen4x3"/>
   <p:notesSz cx="6858000" cy="9144000"/>
@@ -3732,11 +3733,7 @@
           <a:p>
             <a:r>
               <a:rPr lang="zh-CN" altLang="en-US" dirty="0" smtClean="0"/>
-              <a:t>学</a:t>
-            </a:r>
-            <a:r>
-              <a:rPr lang="zh-CN" altLang="en-US" dirty="0" smtClean="0"/>
-              <a:t>校与公司</a:t>
+              <a:t>学校与公司</a:t>
             </a:r>
             <a:endParaRPr lang="zh-CN" altLang="en-US" dirty="0"/>
           </a:p>
@@ -3773,22 +3770,14 @@
           <a:p>
             <a:r>
               <a:rPr lang="zh-CN" altLang="en-US" dirty="0" smtClean="0"/>
-              <a:t>使</a:t>
-            </a:r>
-            <a:r>
-              <a:rPr lang="zh-CN" altLang="en-US" dirty="0" smtClean="0"/>
-              <a:t>用</a:t>
+              <a:t>使用</a:t>
             </a:r>
             <a:endParaRPr lang="en-US" altLang="zh-CN" dirty="0" smtClean="0"/>
           </a:p>
           <a:p>
             <a:r>
               <a:rPr lang="zh-CN" altLang="en-US" dirty="0" smtClean="0"/>
-              <a:t>实</a:t>
-            </a:r>
-            <a:r>
-              <a:rPr lang="zh-CN" altLang="en-US" dirty="0" smtClean="0"/>
-              <a:t>习与培训的重要性</a:t>
+              <a:t>实习与培训的重要性</a:t>
             </a:r>
             <a:endParaRPr lang="zh-CN" altLang="en-US" dirty="0"/>
           </a:p>
@@ -3946,11 +3935,7 @@
             <a:pPr lvl="1"/>
             <a:r>
               <a:rPr lang="zh-CN" altLang="en-US" dirty="0" smtClean="0"/>
-              <a:t>前</a:t>
-            </a:r>
-            <a:r>
-              <a:rPr lang="zh-CN" altLang="en-US" dirty="0" smtClean="0"/>
-              <a:t>沿技术</a:t>
+              <a:t>前沿技术</a:t>
             </a:r>
             <a:r>
               <a:rPr lang="en-US" altLang="zh-CN" dirty="0" smtClean="0"/>
@@ -4105,11 +4090,7 @@
             <a:pPr lvl="1"/>
             <a:r>
               <a:rPr lang="zh-CN" altLang="en-US" dirty="0" smtClean="0"/>
-              <a:t>安</a:t>
-            </a:r>
-            <a:r>
-              <a:rPr lang="zh-CN" altLang="en-US" dirty="0" smtClean="0"/>
-              <a:t>装最新版本</a:t>
+              <a:t>安装最新版本</a:t>
             </a:r>
             <a:endParaRPr lang="en-US" altLang="zh-CN" dirty="0" smtClean="0"/>
           </a:p>
@@ -4117,11 +4098,7 @@
             <a:pPr lvl="1"/>
             <a:r>
               <a:rPr lang="zh-CN" altLang="en-US" dirty="0" smtClean="0"/>
-              <a:t>配</a:t>
-            </a:r>
-            <a:r>
-              <a:rPr lang="zh-CN" altLang="en-US" dirty="0" smtClean="0"/>
-              <a:t>置好环境</a:t>
+              <a:t>配置好环境</a:t>
             </a:r>
             <a:endParaRPr lang="en-US" altLang="zh-CN" dirty="0" smtClean="0"/>
           </a:p>
@@ -4584,6 +4561,216 @@
       </p:par>
     </p:tnLst>
   </p:timing>
+</p:sld>
+</file>
+
+<file path=ppt/slides/slide9.xml><?xml version="1.0" encoding="utf-8"?>
+<p:sld xmlns:a="http://schemas.openxmlformats.org/drawingml/2006/main" xmlns:r="http://schemas.openxmlformats.org/officeDocument/2006/relationships" xmlns:p="http://schemas.openxmlformats.org/presentationml/2006/main">
+  <p:cSld>
+    <p:spTree>
+      <p:nvGrpSpPr>
+        <p:cNvPr id="1" name=""/>
+        <p:cNvGrpSpPr/>
+        <p:nvPr/>
+      </p:nvGrpSpPr>
+      <p:grpSpPr>
+        <a:xfrm>
+          <a:off x="0" y="0"/>
+          <a:ext cx="0" cy="0"/>
+          <a:chOff x="0" y="0"/>
+          <a:chExt cx="0" cy="0"/>
+        </a:xfrm>
+      </p:grpSpPr>
+      <p:sp>
+        <p:nvSpPr>
+          <p:cNvPr id="2" name="标题 1"/>
+          <p:cNvSpPr>
+            <a:spLocks noGrp="1"/>
+          </p:cNvSpPr>
+          <p:nvPr>
+            <p:ph type="title"/>
+          </p:nvPr>
+        </p:nvSpPr>
+        <p:spPr/>
+        <p:txBody>
+          <a:bodyPr/>
+          <a:lstStyle/>
+          <a:p>
+            <a:r>
+              <a:rPr lang="zh-CN" altLang="en-US" dirty="0" smtClean="0"/>
+              <a:t>作业</a:t>
+            </a:r>
+            <a:endParaRPr lang="zh-CN" altLang="en-US" dirty="0"/>
+          </a:p>
+        </p:txBody>
+      </p:sp>
+      <p:sp>
+        <p:nvSpPr>
+          <p:cNvPr id="3" name="内容占位符 2"/>
+          <p:cNvSpPr>
+            <a:spLocks noGrp="1"/>
+          </p:cNvSpPr>
+          <p:nvPr>
+            <p:ph idx="1"/>
+          </p:nvPr>
+        </p:nvSpPr>
+        <p:spPr/>
+        <p:txBody>
+          <a:bodyPr>
+            <a:normAutofit lnSpcReduction="10000"/>
+          </a:bodyPr>
+          <a:lstStyle/>
+          <a:p>
+            <a:r>
+              <a:rPr lang="zh-CN" altLang="en-US" dirty="0" smtClean="0"/>
+              <a:t>在自</a:t>
+            </a:r>
+            <a:r>
+              <a:rPr lang="zh-CN" altLang="en-US" dirty="0" smtClean="0"/>
+              <a:t>己家的计算机上将自己的代码库</a:t>
+            </a:r>
+            <a:r>
+              <a:rPr lang="en-US" altLang="zh-CN" dirty="0" smtClean="0"/>
+              <a:t>(</a:t>
+            </a:r>
+            <a:r>
+              <a:rPr lang="zh-CN" altLang="en-US" dirty="0" smtClean="0"/>
+              <a:t>例如</a:t>
+            </a:r>
+            <a:r>
+              <a:rPr lang="zh-CN" altLang="en-US" dirty="0" smtClean="0"/>
+              <a:t>我</a:t>
+            </a:r>
+            <a:r>
+              <a:rPr lang="zh-CN" altLang="en-US" dirty="0" smtClean="0"/>
+              <a:t>的是：</a:t>
+            </a:r>
+            <a:r>
+              <a:rPr lang="en-US" altLang="zh-CN" dirty="0" smtClean="0"/>
+              <a:t>https://</a:t>
+            </a:r>
+            <a:r>
+              <a:rPr lang="en-US" altLang="zh-CN" dirty="0" smtClean="0"/>
+              <a:t>github.com/zhutao2015/java</a:t>
+            </a:r>
+            <a:r>
+              <a:rPr lang="zh-CN" altLang="en-US" dirty="0" smtClean="0"/>
+              <a:t>）</a:t>
+            </a:r>
+            <a:r>
+              <a:rPr lang="en-US" altLang="zh-CN" dirty="0" smtClean="0"/>
+              <a:t>clone</a:t>
+            </a:r>
+            <a:r>
+              <a:rPr lang="zh-CN" altLang="en-US" dirty="0" smtClean="0"/>
+              <a:t>到本地，并创建内容为“</a:t>
+            </a:r>
+            <a:r>
+              <a:rPr lang="en-US" altLang="zh-CN" dirty="0" smtClean="0"/>
+              <a:t>first</a:t>
+            </a:r>
+            <a:r>
+              <a:rPr lang="zh-CN" altLang="en-US" dirty="0" smtClean="0"/>
+              <a:t>”的</a:t>
+            </a:r>
+            <a:r>
+              <a:rPr lang="en-US" altLang="zh-CN" dirty="0" err="1" smtClean="0"/>
+              <a:t>first.txt</a:t>
+            </a:r>
+            <a:r>
+              <a:rPr lang="zh-CN" altLang="en-US" dirty="0" smtClean="0"/>
+              <a:t>文件，并提交到服务器</a:t>
+            </a:r>
+            <a:endParaRPr lang="en-US" altLang="zh-CN" dirty="0" smtClean="0"/>
+          </a:p>
+          <a:p>
+            <a:r>
+              <a:rPr lang="zh-CN" altLang="en-US" dirty="0" smtClean="0"/>
+              <a:t>解</a:t>
+            </a:r>
+            <a:r>
+              <a:rPr lang="zh-CN" altLang="en-US" dirty="0" smtClean="0"/>
+              <a:t>决倒置杨辉三角问题并提交</a:t>
+            </a:r>
+            <a:endParaRPr lang="en-US" altLang="zh-CN" dirty="0" smtClean="0"/>
+          </a:p>
+          <a:p>
+            <a:pPr lvl="1"/>
+            <a:r>
+              <a:rPr lang="zh-CN" altLang="en-US" dirty="0" smtClean="0"/>
+              <a:t>问</a:t>
+            </a:r>
+            <a:r>
+              <a:rPr lang="zh-CN" altLang="en-US" dirty="0" smtClean="0"/>
+              <a:t>题定义：</a:t>
+            </a:r>
+            <a:r>
+              <a:rPr lang="en-US" altLang="zh-CN" dirty="0" smtClean="0"/>
+              <a:t>http://</a:t>
+            </a:r>
+            <a:r>
+              <a:rPr lang="en-US" altLang="zh-CN" dirty="0" smtClean="0"/>
+              <a:t>baike.baidu.com/view/7804.htm</a:t>
+            </a:r>
+            <a:endParaRPr lang="en-US" altLang="zh-CN" dirty="0" smtClean="0"/>
+          </a:p>
+          <a:p>
+            <a:pPr lvl="1"/>
+            <a:r>
+              <a:rPr lang="zh-CN" altLang="en-US" dirty="0" smtClean="0"/>
+              <a:t>输入：层数</a:t>
+            </a:r>
+            <a:r>
+              <a:rPr lang="en-US" altLang="zh-CN" dirty="0" smtClean="0"/>
+              <a:t>N</a:t>
+            </a:r>
+          </a:p>
+          <a:p>
+            <a:pPr lvl="1"/>
+            <a:r>
+              <a:rPr lang="zh-CN" altLang="en-US" dirty="0" smtClean="0"/>
+              <a:t>输</a:t>
+            </a:r>
+            <a:r>
+              <a:rPr lang="zh-CN" altLang="en-US" dirty="0" smtClean="0"/>
+              <a:t>出：倒置的杨辉三角</a:t>
+            </a:r>
+            <a:endParaRPr lang="en-US" altLang="zh-CN" dirty="0" smtClean="0"/>
+          </a:p>
+          <a:p>
+            <a:r>
+              <a:rPr lang="zh-CN" altLang="en-US" dirty="0" smtClean="0"/>
+              <a:t>熟悉</a:t>
+            </a:r>
+            <a:r>
+              <a:rPr lang="en-US" altLang="zh-CN" dirty="0" err="1" smtClean="0"/>
+              <a:t>git</a:t>
+            </a:r>
+            <a:r>
+              <a:rPr lang="en-US" altLang="zh-CN" dirty="0" smtClean="0"/>
+              <a:t>, eclipse (</a:t>
+            </a:r>
+            <a:r>
+              <a:rPr lang="zh-CN" altLang="en-US" dirty="0" smtClean="0"/>
+              <a:t>别怕出错，电脑不会爆炸）</a:t>
+            </a:r>
+            <a:endParaRPr lang="en-US" altLang="zh-CN" dirty="0" smtClean="0"/>
+          </a:p>
+          <a:p>
+            <a:pPr lvl="1"/>
+            <a:endParaRPr lang="en-US" altLang="zh-CN" dirty="0" smtClean="0"/>
+          </a:p>
+          <a:p>
+            <a:pPr lvl="1"/>
+            <a:endParaRPr lang="en-US" altLang="zh-CN" dirty="0" smtClean="0"/>
+          </a:p>
+        </p:txBody>
+      </p:sp>
+    </p:spTree>
+  </p:cSld>
+  <p:clrMapOvr>
+    <a:masterClrMapping/>
+  </p:clrMapOvr>
 </p:sld>
 </file>
 

--- a/lesson1/lesson1.pptx
+++ b/lesson1/lesson1.pptx
@@ -4623,11 +4623,7 @@
           <a:p>
             <a:r>
               <a:rPr lang="zh-CN" altLang="en-US" dirty="0" smtClean="0"/>
-              <a:t>在自</a:t>
-            </a:r>
-            <a:r>
-              <a:rPr lang="zh-CN" altLang="en-US" dirty="0" smtClean="0"/>
-              <a:t>己家的计算机上将自己的代码库</a:t>
+              <a:t>在自己家的计算机上将自己的代码库</a:t>
             </a:r>
             <a:r>
               <a:rPr lang="en-US" altLang="zh-CN" dirty="0" smtClean="0"/>
@@ -4635,23 +4631,11 @@
             </a:r>
             <a:r>
               <a:rPr lang="zh-CN" altLang="en-US" dirty="0" smtClean="0"/>
-              <a:t>例如</a:t>
-            </a:r>
-            <a:r>
-              <a:rPr lang="zh-CN" altLang="en-US" dirty="0" smtClean="0"/>
-              <a:t>我</a:t>
-            </a:r>
-            <a:r>
-              <a:rPr lang="zh-CN" altLang="en-US" dirty="0" smtClean="0"/>
-              <a:t>的是：</a:t>
+              <a:t>例如我的是：</a:t>
             </a:r>
             <a:r>
               <a:rPr lang="en-US" altLang="zh-CN" dirty="0" smtClean="0"/>
-              <a:t>https://</a:t>
-            </a:r>
-            <a:r>
-              <a:rPr lang="en-US" altLang="zh-CN" dirty="0" smtClean="0"/>
-              <a:t>github.com/zhutao2015/java</a:t>
+              <a:t>https://github.com/zhutao2015/java</a:t>
             </a:r>
             <a:r>
               <a:rPr lang="zh-CN" altLang="en-US" dirty="0" smtClean="0"/>
@@ -4686,11 +4670,15 @@
           <a:p>
             <a:r>
               <a:rPr lang="zh-CN" altLang="en-US" dirty="0" smtClean="0"/>
-              <a:t>解</a:t>
-            </a:r>
-            <a:r>
-              <a:rPr lang="zh-CN" altLang="en-US" dirty="0" smtClean="0"/>
-              <a:t>决倒置杨辉三角问题并提交</a:t>
+              <a:t>解决</a:t>
+            </a:r>
+            <a:r>
+              <a:rPr lang="zh-CN" altLang="en-US" b="1" dirty="0" smtClean="0"/>
+              <a:t>倒置</a:t>
+            </a:r>
+            <a:r>
+              <a:rPr lang="zh-CN" altLang="en-US" dirty="0" smtClean="0"/>
+              <a:t>杨辉三角问题并提交</a:t>
             </a:r>
             <a:endParaRPr lang="en-US" altLang="zh-CN" dirty="0" smtClean="0"/>
           </a:p>
@@ -4698,21 +4686,12 @@
             <a:pPr lvl="1"/>
             <a:r>
               <a:rPr lang="zh-CN" altLang="en-US" dirty="0" smtClean="0"/>
-              <a:t>问</a:t>
-            </a:r>
-            <a:r>
-              <a:rPr lang="zh-CN" altLang="en-US" dirty="0" smtClean="0"/>
-              <a:t>题定义：</a:t>
+              <a:t>问题定义：</a:t>
             </a:r>
             <a:r>
               <a:rPr lang="en-US" altLang="zh-CN" dirty="0" smtClean="0"/>
-              <a:t>http://</a:t>
-            </a:r>
-            <a:r>
-              <a:rPr lang="en-US" altLang="zh-CN" dirty="0" smtClean="0"/>
-              <a:t>baike.baidu.com/view/7804.htm</a:t>
-            </a:r>
-            <a:endParaRPr lang="en-US" altLang="zh-CN" dirty="0" smtClean="0"/>
+              <a:t>http://baike.baidu.com/view/7804.htm</a:t>
+            </a:r>
           </a:p>
           <a:p>
             <a:pPr lvl="1"/>
@@ -4729,11 +4708,7 @@
             <a:pPr lvl="1"/>
             <a:r>
               <a:rPr lang="zh-CN" altLang="en-US" dirty="0" smtClean="0"/>
-              <a:t>输</a:t>
-            </a:r>
-            <a:r>
-              <a:rPr lang="zh-CN" altLang="en-US" dirty="0" smtClean="0"/>
-              <a:t>出：倒置的杨辉三角</a:t>
+              <a:t>输出：倒置的杨辉三角</a:t>
             </a:r>
             <a:endParaRPr lang="en-US" altLang="zh-CN" dirty="0" smtClean="0"/>
           </a:p>
@@ -4771,6 +4746,13 @@
   <p:clrMapOvr>
     <a:masterClrMapping/>
   </p:clrMapOvr>
+  <p:timing>
+    <p:tnLst>
+      <p:par>
+        <p:cTn id="1" dur="indefinite" restart="never" nodeType="tmRoot"/>
+      </p:par>
+    </p:tnLst>
+  </p:timing>
 </p:sld>
 </file>
 
